--- a/Capstone final.pptx
+++ b/Capstone final.pptx
@@ -6,14 +6,11 @@
   </p:sldMasterIdLst>
   <p:sldIdLst>
     <p:sldId id="256" r:id="rId2"/>
-    <p:sldId id="257" r:id="rId3"/>
-    <p:sldId id="263" r:id="rId4"/>
-    <p:sldId id="268" r:id="rId5"/>
-    <p:sldId id="259" r:id="rId6"/>
-    <p:sldId id="266" r:id="rId7"/>
-    <p:sldId id="261" r:id="rId8"/>
-    <p:sldId id="262" r:id="rId9"/>
-    <p:sldId id="267" r:id="rId10"/>
+    <p:sldId id="263" r:id="rId3"/>
+    <p:sldId id="268" r:id="rId4"/>
+    <p:sldId id="259" r:id="rId5"/>
+    <p:sldId id="261" r:id="rId6"/>
+    <p:sldId id="267" r:id="rId7"/>
   </p:sldIdLst>
   <p:sldSz cx="9144000" cy="6858000" type="screen4x3"/>
   <p:notesSz cx="6858000" cy="9144000"/>
@@ -7514,103 +7511,6 @@
           </a:xfrm>
         </p:spPr>
       </p:pic>
-    </p:spTree>
-    <p:extLst>
-      <p:ext uri="{BB962C8B-B14F-4D97-AF65-F5344CB8AC3E}">
-        <p14:creationId xmlns:p14="http://schemas.microsoft.com/office/powerpoint/2010/main" val="3382180891"/>
-      </p:ext>
-    </p:extLst>
-  </p:cSld>
-  <p:clrMapOvr>
-    <a:masterClrMapping/>
-  </p:clrMapOvr>
-  <p:timing>
-    <p:tnLst>
-      <p:par>
-        <p:cTn xmlns:p14="http://schemas.microsoft.com/office/powerpoint/2010/main" id="1" dur="indefinite" restart="never" nodeType="tmRoot"/>
-      </p:par>
-    </p:tnLst>
-  </p:timing>
-</p:sld>
-</file>
-
-<file path=ppt/slides/slide3.xml><?xml version="1.0" encoding="utf-8"?>
-<p:sld xmlns:a="http://schemas.openxmlformats.org/drawingml/2006/main" xmlns:r="http://schemas.openxmlformats.org/officeDocument/2006/relationships" xmlns:p="http://schemas.openxmlformats.org/presentationml/2006/main">
-  <p:cSld>
-    <p:spTree>
-      <p:nvGrpSpPr>
-        <p:cNvPr id="1" name=""/>
-        <p:cNvGrpSpPr/>
-        <p:nvPr/>
-      </p:nvGrpSpPr>
-      <p:grpSpPr>
-        <a:xfrm>
-          <a:off x="0" y="0"/>
-          <a:ext cx="0" cy="0"/>
-          <a:chOff x="0" y="0"/>
-          <a:chExt cx="0" cy="0"/>
-        </a:xfrm>
-      </p:grpSpPr>
-      <p:sp>
-        <p:nvSpPr>
-          <p:cNvPr id="5" name="Text Placeholder 4"/>
-          <p:cNvSpPr>
-            <a:spLocks noGrp="1"/>
-          </p:cNvSpPr>
-          <p:nvPr>
-            <p:ph type="body" idx="1"/>
-          </p:nvPr>
-        </p:nvSpPr>
-        <p:spPr>
-          <a:xfrm>
-            <a:off x="971326" y="588453"/>
-            <a:ext cx="3200400" cy="584035"/>
-          </a:xfrm>
-        </p:spPr>
-        <p:txBody>
-          <a:bodyPr/>
-          <a:lstStyle/>
-          <a:p>
-            <a:r>
-              <a:rPr lang="en-US" dirty="0" smtClean="0">
-                <a:solidFill>
-                  <a:schemeClr val="accent1"/>
-                </a:solidFill>
-              </a:rPr>
-              <a:t>IMDB: 9.4</a:t>
-            </a:r>
-            <a:endParaRPr lang="en-US" dirty="0">
-              <a:solidFill>
-                <a:schemeClr val="accent1"/>
-              </a:solidFill>
-            </a:endParaRPr>
-          </a:p>
-        </p:txBody>
-      </p:sp>
-      <p:pic>
-        <p:nvPicPr>
-          <p:cNvPr id="9" name="Content Placeholder 8"/>
-          <p:cNvPicPr>
-            <a:picLocks noGrp="1" noChangeAspect="1"/>
-          </p:cNvPicPr>
-          <p:nvPr>
-            <p:ph sz="half" idx="2"/>
-          </p:nvPr>
-        </p:nvPicPr>
-        <p:blipFill>
-          <a:blip r:embed="rId2"/>
-          <a:srcRect l="-10058" r="-10058"/>
-          <a:stretch>
-            <a:fillRect/>
-          </a:stretch>
-        </p:blipFill>
-        <p:spPr>
-          <a:xfrm>
-            <a:off x="897367" y="1419367"/>
-            <a:ext cx="3566160" cy="4371834"/>
-          </a:xfrm>
-        </p:spPr>
-      </p:pic>
       <p:sp>
         <p:nvSpPr>
           <p:cNvPr id="7" name="Text Placeholder 6"/>
@@ -7691,7 +7591,7 @@
 </p:sld>
 </file>
 
-<file path=ppt/slides/slide4.xml><?xml version="1.0" encoding="utf-8"?>
+<file path=ppt/slides/slide3.xml><?xml version="1.0" encoding="utf-8"?>
 <p:sld xmlns:a="http://schemas.openxmlformats.org/drawingml/2006/main" xmlns:r="http://schemas.openxmlformats.org/officeDocument/2006/relationships" xmlns:p="http://schemas.openxmlformats.org/presentationml/2006/main">
   <p:cSld>
     <p:spTree>
@@ -7767,11 +7667,7 @@
             <a:pPr lvl="1"/>
             <a:r>
               <a:rPr lang="en-US" sz="3200" dirty="0" smtClean="0"/>
-              <a:t>To provide insights for customers when </a:t>
-            </a:r>
-            <a:r>
-              <a:rPr lang="en-US" sz="3200" dirty="0" smtClean="0"/>
-              <a:t>making movie choices</a:t>
+              <a:t>To provide insights for customers when making movie choices</a:t>
             </a:r>
             <a:endParaRPr lang="en-US" sz="3200" dirty="0"/>
           </a:p>
@@ -7790,7 +7686,7 @@
 </p:sld>
 </file>
 
-<file path=ppt/slides/slide5.xml><?xml version="1.0" encoding="utf-8"?>
+<file path=ppt/slides/slide4.xml><?xml version="1.0" encoding="utf-8"?>
 <p:sld xmlns:a="http://schemas.openxmlformats.org/drawingml/2006/main" xmlns:r="http://schemas.openxmlformats.org/officeDocument/2006/relationships" xmlns:p="http://schemas.openxmlformats.org/presentationml/2006/main">
   <p:cSld>
     <p:spTree>
@@ -8248,7 +8144,7 @@
 </p:sld>
 </file>
 
-<file path=ppt/slides/slide6.xml><?xml version="1.0" encoding="utf-8"?>
+<file path=ppt/slides/slide5.xml><?xml version="1.0" encoding="utf-8"?>
 <p:sld xmlns:a="http://schemas.openxmlformats.org/drawingml/2006/main" xmlns:r="http://schemas.openxmlformats.org/officeDocument/2006/relationships" xmlns:p="http://schemas.openxmlformats.org/presentationml/2006/main">
   <p:cSld>
     <p:spTree>
@@ -8282,7 +8178,7 @@
           <a:p>
             <a:r>
               <a:rPr lang="en-US" dirty="0" smtClean="0"/>
-              <a:t>Data Collection</a:t>
+              <a:t>Results</a:t>
             </a:r>
             <a:endParaRPr lang="en-US" dirty="0"/>
           </a:p>
@@ -8301,99 +8197,38 @@
         <p:spPr/>
         <p:txBody>
           <a:bodyPr>
-            <a:normAutofit fontScale="92500" lnSpcReduction="10000"/>
+            <a:normAutofit/>
           </a:bodyPr>
           <a:lstStyle/>
           <a:p>
             <a:r>
-              <a:rPr lang="en-US" dirty="0"/>
-              <a:t>Scraped data for 9,953 U.S released movies from 1971 to 2016 from </a:t>
-            </a:r>
-            <a:r>
-              <a:rPr lang="en-US" dirty="0" smtClean="0"/>
-              <a:t>IMDB </a:t>
-            </a:r>
-            <a:r>
-              <a:rPr lang="en-US" dirty="0"/>
-              <a:t>to predict </a:t>
-            </a:r>
-            <a:r>
-              <a:rPr lang="en-US" b="1" u="sng" dirty="0"/>
-              <a:t>Movie IMDB </a:t>
-            </a:r>
-            <a:r>
-              <a:rPr lang="en-US" b="1" u="sng" dirty="0" smtClean="0"/>
-              <a:t>Scores</a:t>
-            </a:r>
-          </a:p>
-          <a:p>
-            <a:pPr lvl="1"/>
-            <a:r>
               <a:rPr lang="en-US" b="1" dirty="0" smtClean="0">
                 <a:solidFill>
-                  <a:schemeClr val="accent1"/>
+                  <a:srgbClr val="860908"/>
                 </a:solidFill>
               </a:rPr>
               <a:t>Directors</a:t>
             </a:r>
           </a:p>
           <a:p>
-            <a:pPr lvl="1"/>
-            <a:r>
-              <a:rPr lang="en-US" dirty="0" smtClean="0"/>
-              <a:t>Actors</a:t>
-            </a:r>
-          </a:p>
-          <a:p>
-            <a:pPr lvl="1"/>
-            <a:r>
-              <a:rPr lang="en-US" dirty="0" smtClean="0"/>
-              <a:t>Budget (Adjusted for inflation)</a:t>
-            </a:r>
-          </a:p>
-          <a:p>
-            <a:pPr lvl="1"/>
-            <a:r>
-              <a:rPr lang="en-US" dirty="0" smtClean="0"/>
-              <a:t>Year</a:t>
-            </a:r>
-            <a:r>
-              <a:rPr lang="en-US" dirty="0"/>
-              <a:t>: Do people have time filter</a:t>
-            </a:r>
-            <a:r>
-              <a:rPr lang="en-US" dirty="0" smtClean="0"/>
-              <a:t>?</a:t>
-            </a:r>
-          </a:p>
-          <a:p>
-            <a:pPr lvl="1"/>
-            <a:r>
-              <a:rPr lang="en-US" dirty="0" smtClean="0"/>
-              <a:t>Month: Probably certain month is better (Movies targeting teenagers are usually released in summer)</a:t>
-            </a:r>
-            <a:endParaRPr lang="en-US" dirty="0"/>
-          </a:p>
-          <a:p>
-            <a:pPr lvl="1"/>
+            <a:r>
+              <a:rPr lang="en-US" b="1" dirty="0" smtClean="0">
+                <a:solidFill>
+                  <a:srgbClr val="860908"/>
+                </a:solidFill>
+              </a:rPr>
+              <a:t>Genres</a:t>
+            </a:r>
             <a:r>
               <a:rPr lang="en-US" b="1" dirty="0">
                 <a:solidFill>
                   <a:srgbClr val="860908"/>
                 </a:solidFill>
               </a:rPr>
-              <a:t>Genres: Are certain genres more popular?</a:t>
-            </a:r>
-          </a:p>
-          <a:p>
-            <a:pPr lvl="1"/>
-            <a:r>
-              <a:rPr lang="en-US" dirty="0" smtClean="0"/>
-              <a:t>Certificate: Would censorship hurt movie scores?</a:t>
-            </a:r>
-          </a:p>
-          <a:p>
-            <a:pPr lvl="1"/>
+              <a:t>: Are certain genres more popular?</a:t>
+            </a:r>
+          </a:p>
+          <a:p>
             <a:r>
               <a:rPr lang="en-US" b="1" dirty="0" smtClean="0">
                 <a:solidFill>
@@ -8409,451 +8244,53 @@
             </a:endParaRPr>
           </a:p>
           <a:p>
-            <a:endParaRPr lang="en-US" dirty="0"/>
-          </a:p>
-        </p:txBody>
-      </p:sp>
-    </p:spTree>
-    <p:extLst>
-      <p:ext uri="{BB962C8B-B14F-4D97-AF65-F5344CB8AC3E}">
-        <p14:creationId xmlns:p14="http://schemas.microsoft.com/office/powerpoint/2010/main" val="3011583254"/>
-      </p:ext>
-    </p:extLst>
-  </p:cSld>
-  <p:clrMapOvr>
-    <a:masterClrMapping/>
-  </p:clrMapOvr>
-  <p:timing>
-    <p:tnLst>
-      <p:par>
-        <p:cTn xmlns:p14="http://schemas.microsoft.com/office/powerpoint/2010/main" id="1" dur="indefinite" restart="never" nodeType="tmRoot">
-          <p:childTnLst>
-            <p:seq concurrent="1" nextAc="seek">
-              <p:cTn id="2" dur="indefinite" nodeType="mainSeq">
-                <p:childTnLst>
-                  <p:par>
-                    <p:cTn id="3" fill="hold">
-                      <p:stCondLst>
-                        <p:cond delay="indefinite"/>
-                      </p:stCondLst>
-                      <p:childTnLst>
-                        <p:par>
-                          <p:cTn id="4" fill="hold">
-                            <p:stCondLst>
-                              <p:cond delay="0"/>
-                            </p:stCondLst>
-                            <p:childTnLst>
-                              <p:par>
-                                <p:cTn id="5" presetID="1" presetClass="entr" presetSubtype="0" fill="hold" nodeType="clickEffect">
-                                  <p:stCondLst>
-                                    <p:cond delay="0"/>
-                                  </p:stCondLst>
-                                  <p:childTnLst>
-                                    <p:set>
-                                      <p:cBhvr>
-                                        <p:cTn id="6" dur="1" fill="hold">
-                                          <p:stCondLst>
-                                            <p:cond delay="0"/>
-                                          </p:stCondLst>
-                                        </p:cTn>
-                                        <p:tgtEl>
-                                          <p:spTgt spid="8">
-                                            <p:txEl>
-                                              <p:pRg st="1" end="1"/>
-                                            </p:txEl>
-                                          </p:spTgt>
-                                        </p:tgtEl>
-                                        <p:attrNameLst>
-                                          <p:attrName>style.visibility</p:attrName>
-                                        </p:attrNameLst>
-                                      </p:cBhvr>
-                                      <p:to>
-                                        <p:strVal val="visible"/>
-                                      </p:to>
-                                    </p:set>
-                                  </p:childTnLst>
-                                </p:cTn>
-                              </p:par>
-                              <p:par>
-                                <p:cTn id="7" presetID="1" presetClass="entr" presetSubtype="0" fill="hold" nodeType="withEffect">
-                                  <p:stCondLst>
-                                    <p:cond delay="0"/>
-                                  </p:stCondLst>
-                                  <p:childTnLst>
-                                    <p:set>
-                                      <p:cBhvr>
-                                        <p:cTn id="8" dur="1" fill="hold">
-                                          <p:stCondLst>
-                                            <p:cond delay="0"/>
-                                          </p:stCondLst>
-                                        </p:cTn>
-                                        <p:tgtEl>
-                                          <p:spTgt spid="8">
-                                            <p:txEl>
-                                              <p:pRg st="2" end="2"/>
-                                            </p:txEl>
-                                          </p:spTgt>
-                                        </p:tgtEl>
-                                        <p:attrNameLst>
-                                          <p:attrName>style.visibility</p:attrName>
-                                        </p:attrNameLst>
-                                      </p:cBhvr>
-                                      <p:to>
-                                        <p:strVal val="visible"/>
-                                      </p:to>
-                                    </p:set>
-                                  </p:childTnLst>
-                                </p:cTn>
-                              </p:par>
-                              <p:par>
-                                <p:cTn id="9" presetID="1" presetClass="entr" presetSubtype="0" fill="hold" nodeType="withEffect">
-                                  <p:stCondLst>
-                                    <p:cond delay="0"/>
-                                  </p:stCondLst>
-                                  <p:childTnLst>
-                                    <p:set>
-                                      <p:cBhvr>
-                                        <p:cTn id="10" dur="1" fill="hold">
-                                          <p:stCondLst>
-                                            <p:cond delay="0"/>
-                                          </p:stCondLst>
-                                        </p:cTn>
-                                        <p:tgtEl>
-                                          <p:spTgt spid="8">
-                                            <p:txEl>
-                                              <p:pRg st="3" end="3"/>
-                                            </p:txEl>
-                                          </p:spTgt>
-                                        </p:tgtEl>
-                                        <p:attrNameLst>
-                                          <p:attrName>style.visibility</p:attrName>
-                                        </p:attrNameLst>
-                                      </p:cBhvr>
-                                      <p:to>
-                                        <p:strVal val="visible"/>
-                                      </p:to>
-                                    </p:set>
-                                  </p:childTnLst>
-                                </p:cTn>
-                              </p:par>
-                              <p:par>
-                                <p:cTn id="11" presetID="1" presetClass="entr" presetSubtype="0" fill="hold" nodeType="withEffect">
-                                  <p:stCondLst>
-                                    <p:cond delay="0"/>
-                                  </p:stCondLst>
-                                  <p:childTnLst>
-                                    <p:set>
-                                      <p:cBhvr>
-                                        <p:cTn id="12" dur="1" fill="hold">
-                                          <p:stCondLst>
-                                            <p:cond delay="0"/>
-                                          </p:stCondLst>
-                                        </p:cTn>
-                                        <p:tgtEl>
-                                          <p:spTgt spid="8">
-                                            <p:txEl>
-                                              <p:pRg st="4" end="4"/>
-                                            </p:txEl>
-                                          </p:spTgt>
-                                        </p:tgtEl>
-                                        <p:attrNameLst>
-                                          <p:attrName>style.visibility</p:attrName>
-                                        </p:attrNameLst>
-                                      </p:cBhvr>
-                                      <p:to>
-                                        <p:strVal val="visible"/>
-                                      </p:to>
-                                    </p:set>
-                                  </p:childTnLst>
-                                </p:cTn>
-                              </p:par>
-                              <p:par>
-                                <p:cTn id="13" presetID="1" presetClass="entr" presetSubtype="0" fill="hold" nodeType="withEffect">
-                                  <p:stCondLst>
-                                    <p:cond delay="0"/>
-                                  </p:stCondLst>
-                                  <p:childTnLst>
-                                    <p:set>
-                                      <p:cBhvr>
-                                        <p:cTn id="14" dur="1" fill="hold">
-                                          <p:stCondLst>
-                                            <p:cond delay="0"/>
-                                          </p:stCondLst>
-                                        </p:cTn>
-                                        <p:tgtEl>
-                                          <p:spTgt spid="8">
-                                            <p:txEl>
-                                              <p:pRg st="5" end="5"/>
-                                            </p:txEl>
-                                          </p:spTgt>
-                                        </p:tgtEl>
-                                        <p:attrNameLst>
-                                          <p:attrName>style.visibility</p:attrName>
-                                        </p:attrNameLst>
-                                      </p:cBhvr>
-                                      <p:to>
-                                        <p:strVal val="visible"/>
-                                      </p:to>
-                                    </p:set>
-                                  </p:childTnLst>
-                                </p:cTn>
-                              </p:par>
-                              <p:par>
-                                <p:cTn id="15" presetID="1" presetClass="entr" presetSubtype="0" fill="hold" nodeType="withEffect">
-                                  <p:stCondLst>
-                                    <p:cond delay="0"/>
-                                  </p:stCondLst>
-                                  <p:childTnLst>
-                                    <p:set>
-                                      <p:cBhvr>
-                                        <p:cTn id="16" dur="1" fill="hold">
-                                          <p:stCondLst>
-                                            <p:cond delay="0"/>
-                                          </p:stCondLst>
-                                        </p:cTn>
-                                        <p:tgtEl>
-                                          <p:spTgt spid="8">
-                                            <p:txEl>
-                                              <p:pRg st="6" end="6"/>
-                                            </p:txEl>
-                                          </p:spTgt>
-                                        </p:tgtEl>
-                                        <p:attrNameLst>
-                                          <p:attrName>style.visibility</p:attrName>
-                                        </p:attrNameLst>
-                                      </p:cBhvr>
-                                      <p:to>
-                                        <p:strVal val="visible"/>
-                                      </p:to>
-                                    </p:set>
-                                  </p:childTnLst>
-                                </p:cTn>
-                              </p:par>
-                              <p:par>
-                                <p:cTn id="17" presetID="1" presetClass="entr" presetSubtype="0" fill="hold" nodeType="withEffect">
-                                  <p:stCondLst>
-                                    <p:cond delay="0"/>
-                                  </p:stCondLst>
-                                  <p:childTnLst>
-                                    <p:set>
-                                      <p:cBhvr>
-                                        <p:cTn id="18" dur="1" fill="hold">
-                                          <p:stCondLst>
-                                            <p:cond delay="0"/>
-                                          </p:stCondLst>
-                                        </p:cTn>
-                                        <p:tgtEl>
-                                          <p:spTgt spid="8">
-                                            <p:txEl>
-                                              <p:pRg st="7" end="7"/>
-                                            </p:txEl>
-                                          </p:spTgt>
-                                        </p:tgtEl>
-                                        <p:attrNameLst>
-                                          <p:attrName>style.visibility</p:attrName>
-                                        </p:attrNameLst>
-                                      </p:cBhvr>
-                                      <p:to>
-                                        <p:strVal val="visible"/>
-                                      </p:to>
-                                    </p:set>
-                                  </p:childTnLst>
-                                </p:cTn>
-                              </p:par>
-                              <p:par>
-                                <p:cTn id="19" presetID="1" presetClass="entr" presetSubtype="0" fill="hold" nodeType="withEffect">
-                                  <p:stCondLst>
-                                    <p:cond delay="0"/>
-                                  </p:stCondLst>
-                                  <p:childTnLst>
-                                    <p:set>
-                                      <p:cBhvr>
-                                        <p:cTn id="20" dur="1" fill="hold">
-                                          <p:stCondLst>
-                                            <p:cond delay="0"/>
-                                          </p:stCondLst>
-                                        </p:cTn>
-                                        <p:tgtEl>
-                                          <p:spTgt spid="8">
-                                            <p:txEl>
-                                              <p:pRg st="8" end="8"/>
-                                            </p:txEl>
-                                          </p:spTgt>
-                                        </p:tgtEl>
-                                        <p:attrNameLst>
-                                          <p:attrName>style.visibility</p:attrName>
-                                        </p:attrNameLst>
-                                      </p:cBhvr>
-                                      <p:to>
-                                        <p:strVal val="visible"/>
-                                      </p:to>
-                                    </p:set>
-                                  </p:childTnLst>
-                                </p:cTn>
-                              </p:par>
-                            </p:childTnLst>
-                          </p:cTn>
-                        </p:par>
-                      </p:childTnLst>
-                    </p:cTn>
-                  </p:par>
-                </p:childTnLst>
-              </p:cTn>
-              <p:prevCondLst>
-                <p:cond evt="onPrev" delay="0">
-                  <p:tgtEl>
-                    <p:sldTgt/>
-                  </p:tgtEl>
-                </p:cond>
-              </p:prevCondLst>
-              <p:nextCondLst>
-                <p:cond evt="onNext" delay="0">
-                  <p:tgtEl>
-                    <p:sldTgt/>
-                  </p:tgtEl>
-                </p:cond>
-              </p:nextCondLst>
-            </p:seq>
-          </p:childTnLst>
-        </p:cTn>
-      </p:par>
-    </p:tnLst>
-  </p:timing>
-</p:sld>
-</file>
-
-<file path=ppt/slides/slide7.xml><?xml version="1.0" encoding="utf-8"?>
-<p:sld xmlns:a="http://schemas.openxmlformats.org/drawingml/2006/main" xmlns:r="http://schemas.openxmlformats.org/officeDocument/2006/relationships" xmlns:p="http://schemas.openxmlformats.org/presentationml/2006/main">
-  <p:cSld>
-    <p:spTree>
-      <p:nvGrpSpPr>
-        <p:cNvPr id="1" name=""/>
-        <p:cNvGrpSpPr/>
-        <p:nvPr/>
-      </p:nvGrpSpPr>
-      <p:grpSpPr>
-        <a:xfrm>
-          <a:off x="0" y="0"/>
-          <a:ext cx="0" cy="0"/>
-          <a:chOff x="0" y="0"/>
-          <a:chExt cx="0" cy="0"/>
-        </a:xfrm>
-      </p:grpSpPr>
-      <p:sp>
-        <p:nvSpPr>
-          <p:cNvPr id="7" name="Title 6"/>
-          <p:cNvSpPr>
-            <a:spLocks noGrp="1"/>
-          </p:cNvSpPr>
-          <p:nvPr>
-            <p:ph type="title"/>
-          </p:nvPr>
-        </p:nvSpPr>
-        <p:spPr/>
-        <p:txBody>
-          <a:bodyPr/>
-          <a:lstStyle/>
-          <a:p>
-            <a:r>
-              <a:rPr lang="en-US" dirty="0" smtClean="0"/>
-              <a:t>Data Collection</a:t>
-            </a:r>
-            <a:endParaRPr lang="en-US" dirty="0"/>
-          </a:p>
-        </p:txBody>
-      </p:sp>
-      <p:sp>
-        <p:nvSpPr>
-          <p:cNvPr id="8" name="Content Placeholder 7"/>
-          <p:cNvSpPr>
-            <a:spLocks noGrp="1"/>
-          </p:cNvSpPr>
-          <p:nvPr>
-            <p:ph idx="1"/>
-          </p:nvPr>
-        </p:nvSpPr>
-        <p:spPr/>
-        <p:txBody>
-          <a:bodyPr>
-            <a:normAutofit/>
-          </a:bodyPr>
-          <a:lstStyle/>
-          <a:p>
-            <a:r>
-              <a:rPr lang="en-US" dirty="0"/>
-              <a:t>Scraped data for 9,953 U.S released movies from 1971 to 2016 from </a:t>
-            </a:r>
-            <a:r>
-              <a:rPr lang="en-US" dirty="0" smtClean="0"/>
-              <a:t>IMDB to </a:t>
-            </a:r>
-            <a:r>
-              <a:rPr lang="en-US" dirty="0"/>
-              <a:t>predict </a:t>
-            </a:r>
-            <a:r>
-              <a:rPr lang="en-US" b="1" u="sng" dirty="0"/>
-              <a:t>Movie IMDB </a:t>
-            </a:r>
-            <a:r>
-              <a:rPr lang="en-US" b="1" u="sng" dirty="0" smtClean="0"/>
-              <a:t>Scores</a:t>
-            </a:r>
-          </a:p>
-          <a:p>
-            <a:pPr lvl="1"/>
-            <a:r>
-              <a:rPr lang="en-US" b="1" dirty="0" smtClean="0">
-                <a:solidFill>
-                  <a:srgbClr val="860908"/>
-                </a:solidFill>
-              </a:rPr>
-              <a:t>Directors</a:t>
-            </a:r>
-          </a:p>
-          <a:p>
-            <a:pPr lvl="1"/>
-            <a:r>
-              <a:rPr lang="en-US" b="1" dirty="0" smtClean="0">
-                <a:solidFill>
-                  <a:srgbClr val="860908"/>
-                </a:solidFill>
-              </a:rPr>
-              <a:t>Genres</a:t>
-            </a:r>
-            <a:r>
-              <a:rPr lang="en-US" b="1" dirty="0">
-                <a:solidFill>
-                  <a:srgbClr val="860908"/>
-                </a:solidFill>
-              </a:rPr>
-              <a:t>: Are certain genres more popular?</a:t>
-            </a:r>
-          </a:p>
-          <a:p>
-            <a:pPr lvl="1"/>
-            <a:r>
-              <a:rPr lang="en-US" b="1" dirty="0" smtClean="0">
-                <a:solidFill>
-                  <a:srgbClr val="860908"/>
-                </a:solidFill>
-              </a:rPr>
-              <a:t>Run time: Do people prefer shorter or longer movies?</a:t>
-            </a:r>
-            <a:endParaRPr lang="en-US" b="1" dirty="0">
-              <a:solidFill>
-                <a:srgbClr val="860908"/>
-              </a:solidFill>
-            </a:endParaRPr>
-          </a:p>
-          <a:p>
             <a:pPr marL="0" indent="0">
               <a:buNone/>
             </a:pPr>
             <a:r>
               <a:rPr lang="en-US" altLang="zh-CN" sz="3600" b="1" dirty="0" smtClean="0"/>
-              <a:t>Prediction on Training Set: 0.68</a:t>
-            </a:r>
+              <a:t>Training Set R</a:t>
+            </a:r>
+            <a:r>
+              <a:rPr lang="en-US" altLang="zh-CN" sz="3600" b="1" baseline="30000" dirty="0" smtClean="0"/>
+              <a:t>2</a:t>
+            </a:r>
+            <a:r>
+              <a:rPr lang="en-US" altLang="zh-CN" sz="3600" b="1" dirty="0" smtClean="0"/>
+              <a:t>: 0.68</a:t>
+            </a:r>
+          </a:p>
+          <a:p>
+            <a:pPr marL="0" indent="0">
+              <a:buNone/>
+            </a:pPr>
+            <a:r>
+              <a:rPr lang="en-US" altLang="zh-CN" sz="3600" b="1" dirty="0" smtClean="0"/>
+              <a:t>Test Set R</a:t>
+            </a:r>
+            <a:r>
+              <a:rPr lang="en-US" altLang="zh-CN" sz="3600" b="1" baseline="30000" dirty="0" smtClean="0"/>
+              <a:t>2</a:t>
+            </a:r>
+            <a:r>
+              <a:rPr lang="en-US" altLang="zh-CN" sz="3600" b="1" dirty="0" smtClean="0"/>
+              <a:t>: </a:t>
+            </a:r>
+            <a:r>
+              <a:rPr lang="zh-CN" altLang="zh-CN" sz="3600" b="1" dirty="0" smtClean="0"/>
+              <a:t>0</a:t>
+            </a:r>
+            <a:r>
+              <a:rPr lang="en-US" altLang="zh-CN" sz="3600" b="1" dirty="0" smtClean="0"/>
+              <a:t>.22</a:t>
+            </a:r>
+            <a:endParaRPr lang="en-US" sz="3600" b="1" dirty="0" smtClean="0"/>
+          </a:p>
+          <a:p>
+            <a:pPr marL="0" indent="0">
+              <a:buNone/>
+            </a:pPr>
+            <a:endParaRPr lang="en-US" altLang="zh-CN" sz="3600" b="1" dirty="0" smtClean="0"/>
           </a:p>
         </p:txBody>
       </p:sp>
@@ -8877,7 +8314,7 @@
 </p:sld>
 </file>
 
-<file path=ppt/slides/slide8.xml><?xml version="1.0" encoding="utf-8"?>
+<file path=ppt/slides/slide6.xml><?xml version="1.0" encoding="utf-8"?>
 <p:sld xmlns:a="http://schemas.openxmlformats.org/drawingml/2006/main" xmlns:r="http://schemas.openxmlformats.org/officeDocument/2006/relationships" xmlns:p="http://schemas.openxmlformats.org/presentationml/2006/main">
   <p:cSld>
     <p:spTree>
@@ -8911,170 +8348,8 @@
           <a:p>
             <a:r>
               <a:rPr lang="en-US" dirty="0" smtClean="0"/>
-              <a:t>Data Collection</a:t>
-            </a:r>
-            <a:endParaRPr lang="en-US" dirty="0"/>
-          </a:p>
-        </p:txBody>
-      </p:sp>
-      <p:sp>
-        <p:nvSpPr>
-          <p:cNvPr id="8" name="Content Placeholder 7"/>
-          <p:cNvSpPr>
-            <a:spLocks noGrp="1"/>
-          </p:cNvSpPr>
-          <p:nvPr>
-            <p:ph idx="1"/>
-          </p:nvPr>
-        </p:nvSpPr>
-        <p:spPr/>
-        <p:txBody>
-          <a:bodyPr>
-            <a:normAutofit/>
-          </a:bodyPr>
-          <a:lstStyle/>
-          <a:p>
-            <a:r>
-              <a:rPr lang="en-US" dirty="0"/>
-              <a:t>Scraped data for 9,953 U.S released movies from 1971 to 2016 from </a:t>
-            </a:r>
-            <a:r>
-              <a:rPr lang="en-US" dirty="0" smtClean="0"/>
-              <a:t>IMDB</a:t>
-            </a:r>
-          </a:p>
-          <a:p>
-            <a:pPr lvl="1"/>
-            <a:r>
-              <a:rPr lang="en-US" b="1" dirty="0" smtClean="0">
-                <a:solidFill>
-                  <a:srgbClr val="860908"/>
-                </a:solidFill>
-              </a:rPr>
-              <a:t>Directors</a:t>
-            </a:r>
-          </a:p>
-          <a:p>
-            <a:pPr lvl="1"/>
-            <a:r>
-              <a:rPr lang="en-US" b="1" dirty="0" smtClean="0">
-                <a:solidFill>
-                  <a:srgbClr val="860908"/>
-                </a:solidFill>
-              </a:rPr>
-              <a:t>Genres</a:t>
-            </a:r>
-            <a:r>
-              <a:rPr lang="en-US" b="1" dirty="0">
-                <a:solidFill>
-                  <a:srgbClr val="860908"/>
-                </a:solidFill>
-              </a:rPr>
-              <a:t>: Are certain genres more popular?</a:t>
-            </a:r>
-          </a:p>
-          <a:p>
-            <a:pPr lvl="1"/>
-            <a:r>
-              <a:rPr lang="en-US" b="1" dirty="0" smtClean="0">
-                <a:solidFill>
-                  <a:srgbClr val="860908"/>
-                </a:solidFill>
-              </a:rPr>
-              <a:t>Run time: Do people prefer shorter or longer movies?</a:t>
-            </a:r>
-            <a:endParaRPr lang="en-US" b="1" dirty="0">
-              <a:solidFill>
-                <a:srgbClr val="860908"/>
-              </a:solidFill>
-            </a:endParaRPr>
-          </a:p>
-          <a:p>
-            <a:pPr marL="0" indent="0">
-              <a:buNone/>
-            </a:pPr>
-            <a:r>
-              <a:rPr lang="en-US" altLang="zh-CN" sz="3600" b="1" dirty="0" smtClean="0"/>
-              <a:t>Prediction on Training Set: 0.68</a:t>
-            </a:r>
-          </a:p>
-          <a:p>
-            <a:pPr marL="0" indent="0">
-              <a:buNone/>
-            </a:pPr>
-            <a:r>
-              <a:rPr lang="en-US" altLang="zh-CN" sz="3600" b="1" dirty="0" smtClean="0"/>
-              <a:t>Prediction on Test Set: </a:t>
-            </a:r>
-            <a:r>
-              <a:rPr lang="zh-CN" altLang="zh-CN" sz="3600" b="1" dirty="0" smtClean="0"/>
-              <a:t>0</a:t>
-            </a:r>
-            <a:r>
-              <a:rPr lang="en-US" altLang="zh-CN" sz="3600" b="1" dirty="0" smtClean="0"/>
-              <a:t>.22</a:t>
-            </a:r>
-            <a:endParaRPr lang="en-US" sz="3600" b="1" dirty="0"/>
-          </a:p>
-        </p:txBody>
-      </p:sp>
-    </p:spTree>
-    <p:extLst>
-      <p:ext uri="{BB962C8B-B14F-4D97-AF65-F5344CB8AC3E}">
-        <p14:creationId xmlns:p14="http://schemas.microsoft.com/office/powerpoint/2010/main" val="2656822204"/>
-      </p:ext>
-    </p:extLst>
-  </p:cSld>
-  <p:clrMapOvr>
-    <a:masterClrMapping/>
-  </p:clrMapOvr>
-  <p:timing>
-    <p:tnLst>
-      <p:par>
-        <p:cTn xmlns:p14="http://schemas.microsoft.com/office/powerpoint/2010/main" id="1" dur="indefinite" restart="never" nodeType="tmRoot"/>
-      </p:par>
-    </p:tnLst>
-  </p:timing>
-</p:sld>
-</file>
-
-<file path=ppt/slides/slide9.xml><?xml version="1.0" encoding="utf-8"?>
-<p:sld xmlns:a="http://schemas.openxmlformats.org/drawingml/2006/main" xmlns:r="http://schemas.openxmlformats.org/officeDocument/2006/relationships" xmlns:p="http://schemas.openxmlformats.org/presentationml/2006/main">
-  <p:cSld>
-    <p:spTree>
-      <p:nvGrpSpPr>
-        <p:cNvPr id="1" name=""/>
-        <p:cNvGrpSpPr/>
-        <p:nvPr/>
-      </p:nvGrpSpPr>
-      <p:grpSpPr>
-        <a:xfrm>
-          <a:off x="0" y="0"/>
-          <a:ext cx="0" cy="0"/>
-          <a:chOff x="0" y="0"/>
-          <a:chExt cx="0" cy="0"/>
-        </a:xfrm>
-      </p:grpSpPr>
-      <p:sp>
-        <p:nvSpPr>
-          <p:cNvPr id="7" name="Title 6"/>
-          <p:cNvSpPr>
-            <a:spLocks noGrp="1"/>
-          </p:cNvSpPr>
-          <p:nvPr>
-            <p:ph type="title"/>
-          </p:nvPr>
-        </p:nvSpPr>
-        <p:spPr/>
-        <p:txBody>
-          <a:bodyPr/>
-          <a:lstStyle/>
-          <a:p>
-            <a:r>
-              <a:rPr lang="en-US" dirty="0" smtClean="0"/>
               <a:t>Summary</a:t>
             </a:r>
-            <a:endParaRPr lang="en-US" dirty="0" smtClean="0"/>
           </a:p>
         </p:txBody>
       </p:sp>
@@ -9102,7 +8377,6 @@
               <a:rPr lang="en-US" b="1" dirty="0" smtClean="0"/>
               <a:t>There are three important features of good movies:</a:t>
             </a:r>
-            <a:endParaRPr lang="en-US" b="1" dirty="0" smtClean="0"/>
           </a:p>
           <a:p>
             <a:pPr marL="457200" lvl="1" indent="0">
@@ -9112,7 +8386,6 @@
               <a:rPr lang="en-US" b="1" dirty="0" smtClean="0"/>
               <a:t>Directors</a:t>
             </a:r>
-            <a:endParaRPr lang="en-US" b="1" dirty="0" smtClean="0"/>
           </a:p>
           <a:p>
             <a:pPr lvl="1">
@@ -9155,7 +8428,19 @@
               <a:rPr lang="en-US" b="1" dirty="0" smtClean="0">
                 <a:hlinkClick r:id="rId3" action="ppaction://hlinkfile"/>
               </a:rPr>
-              <a:t>Documentary, Biography, and History are the tree categories with the highest average IMDB scores.</a:t>
+              <a:t>Documentary, Biography, and History are the </a:t>
+            </a:r>
+            <a:r>
+              <a:rPr lang="en-US" b="1" dirty="0" smtClean="0">
+                <a:hlinkClick r:id="rId3" action="ppaction://hlinkfile"/>
+              </a:rPr>
+              <a:t>three </a:t>
+            </a:r>
+            <a:r>
+              <a:rPr lang="en-US" b="1" dirty="0" smtClean="0">
+                <a:hlinkClick r:id="rId3" action="ppaction://hlinkfile"/>
+              </a:rPr>
+              <a:t>categories with the highest average IMDB scores.</a:t>
             </a:r>
           </a:p>
           <a:p>
